--- a/lab-15/pptx/OTUS_NE_TMV.pptx
+++ b/lab-15/pptx/OTUS_NE_TMV.pptx
@@ -5,7 +5,7 @@
     <p:sldMasterId id="2147483675" r:id="rId1"/>
   </p:sldMasterIdLst>
   <p:notesMasterIdLst>
-    <p:notesMasterId r:id="rId16"/>
+    <p:notesMasterId r:id="rId17"/>
   </p:notesMasterIdLst>
   <p:sldIdLst>
     <p:sldId id="256" r:id="rId2"/>
@@ -20,8 +20,9 @@
     <p:sldId id="264" r:id="rId11"/>
     <p:sldId id="276" r:id="rId12"/>
     <p:sldId id="278" r:id="rId13"/>
-    <p:sldId id="265" r:id="rId14"/>
-    <p:sldId id="266" r:id="rId15"/>
+    <p:sldId id="280" r:id="rId14"/>
+    <p:sldId id="265" r:id="rId15"/>
+    <p:sldId id="266" r:id="rId16"/>
   </p:sldIdLst>
   <p:sldSz cx="9144000" cy="6858000" type="screen4x3"/>
   <p:notesSz cx="6858000" cy="9144000"/>
@@ -256,7 +257,7 @@
   </p:defaultTextStyle>
   <p:extLst>
     <p:ext uri="{EFAFB233-063F-42B5-8137-9DF3F51BA10A}">
-      <p15:sldGuideLst xmlns:ahyp="http://schemas.microsoft.com/office/drawing/2018/hyperlinkcolor" xmlns:p15="http://schemas.microsoft.com/office/powerpoint/2012/main" xmlns:p14="http://schemas.microsoft.com/office/powerpoint/2010/main" xmlns:com="http://schemas.openxmlformats.org/drawingml/2006/compatibility" xmlns:pvml="urn:schemas-microsoft-com:office:powerpoint" xmlns:v="urn:schemas-microsoft-com:vml" xmlns:o="urn:schemas-microsoft-com:office:office" xmlns:dgm="http://schemas.openxmlformats.org/drawingml/2006/diagram" xmlns:c="http://schemas.openxmlformats.org/drawingml/2006/chart" xmlns:mv="urn:schemas-microsoft-com:mac:vml" xmlns:mc="http://schemas.openxmlformats.org/markup-compatibility/2006" xmlns="">
+      <p15:sldGuideLst xmlns="" xmlns:mc="http://schemas.openxmlformats.org/markup-compatibility/2006" xmlns:mv="urn:schemas-microsoft-com:mac:vml" xmlns:c="http://schemas.openxmlformats.org/drawingml/2006/chart" xmlns:dgm="http://schemas.openxmlformats.org/drawingml/2006/diagram" xmlns:o="urn:schemas-microsoft-com:office:office" xmlns:v="urn:schemas-microsoft-com:vml" xmlns:pvml="urn:schemas-microsoft-com:office:powerpoint" xmlns:com="http://schemas.openxmlformats.org/drawingml/2006/compatibility" xmlns:p14="http://schemas.microsoft.com/office/powerpoint/2010/main" xmlns:p15="http://schemas.microsoft.com/office/powerpoint/2012/main" xmlns:ahyp="http://schemas.microsoft.com/office/drawing/2018/hyperlinkcolor">
         <p15:guide id="1" pos="5533">
           <p15:clr>
             <a:srgbClr val="A4A3A4"/>
@@ -1145,6 +1146,110 @@
   <p:cSld>
     <p:spTree>
       <p:nvGrpSpPr>
+        <p:cNvPr id="1" name="Shape 192"/>
+        <p:cNvGrpSpPr/>
+        <p:nvPr/>
+      </p:nvGrpSpPr>
+      <p:grpSpPr>
+        <a:xfrm>
+          <a:off x="0" y="0"/>
+          <a:ext cx="0" cy="0"/>
+          <a:chOff x="0" y="0"/>
+          <a:chExt cx="0" cy="0"/>
+        </a:xfrm>
+      </p:grpSpPr>
+      <p:sp>
+        <p:nvSpPr>
+          <p:cNvPr id="193" name="Google Shape;193;gdf29b9fb24_0_85:notes"/>
+          <p:cNvSpPr>
+            <a:spLocks noGrp="1" noRot="1" noChangeAspect="1"/>
+          </p:cNvSpPr>
+          <p:nvPr>
+            <p:ph type="sldImg" idx="2"/>
+          </p:nvPr>
+        </p:nvSpPr>
+        <p:spPr>
+          <a:xfrm>
+            <a:off x="1143000" y="685800"/>
+            <a:ext cx="4572000" cy="3429000"/>
+          </a:xfrm>
+          <a:custGeom>
+            <a:avLst/>
+            <a:gdLst/>
+            <a:ahLst/>
+            <a:cxnLst/>
+            <a:rect l="l" t="t" r="r" b="b"/>
+            <a:pathLst>
+              <a:path w="120000" h="120000" extrusionOk="0">
+                <a:moveTo>
+                  <a:pt x="0" y="0"/>
+                </a:moveTo>
+                <a:lnTo>
+                  <a:pt x="120000" y="0"/>
+                </a:lnTo>
+                <a:lnTo>
+                  <a:pt x="120000" y="120000"/>
+                </a:lnTo>
+                <a:lnTo>
+                  <a:pt x="0" y="120000"/>
+                </a:lnTo>
+                <a:close/>
+              </a:path>
+            </a:pathLst>
+          </a:custGeom>
+        </p:spPr>
+      </p:sp>
+      <p:sp>
+        <p:nvSpPr>
+          <p:cNvPr id="194" name="Google Shape;194;gdf29b9fb24_0_85:notes"/>
+          <p:cNvSpPr txBox="1">
+            <a:spLocks noGrp="1"/>
+          </p:cNvSpPr>
+          <p:nvPr>
+            <p:ph type="body" idx="1"/>
+          </p:nvPr>
+        </p:nvSpPr>
+        <p:spPr>
+          <a:xfrm>
+            <a:off x="685800" y="4343400"/>
+            <a:ext cx="5486400" cy="4114800"/>
+          </a:xfrm>
+          <a:prstGeom prst="rect">
+            <a:avLst/>
+          </a:prstGeom>
+        </p:spPr>
+        <p:txBody>
+          <a:bodyPr spcFirstLastPara="1" wrap="square" lIns="91425" tIns="91425" rIns="91425" bIns="91425" anchor="t" anchorCtr="0">
+            <a:noAutofit/>
+          </a:bodyPr>
+          <a:lstStyle/>
+          <a:p>
+            <a:pPr marL="0" lvl="0" indent="0" algn="l" rtl="0">
+              <a:spcBef>
+                <a:spcPts val="0"/>
+              </a:spcBef>
+              <a:spcAft>
+                <a:spcPts val="0"/>
+              </a:spcAft>
+              <a:buNone/>
+            </a:pPr>
+            <a:endParaRPr/>
+          </a:p>
+        </p:txBody>
+      </p:sp>
+    </p:spTree>
+  </p:cSld>
+  <p:clrMapOvr>
+    <a:masterClrMapping/>
+  </p:clrMapOvr>
+</p:notes>
+</file>
+
+<file path=ppt/notesSlides/notesSlide14.xml><?xml version="1.0" encoding="utf-8"?>
+<p:notes xmlns:a="http://schemas.openxmlformats.org/drawingml/2006/main" xmlns:r="http://schemas.openxmlformats.org/officeDocument/2006/relationships" xmlns:p="http://schemas.openxmlformats.org/presentationml/2006/main" showMasterSp="0" showMasterPhAnim="0">
+  <p:cSld>
+    <p:spTree>
+      <p:nvGrpSpPr>
         <p:cNvPr id="1" name="Shape 198"/>
         <p:cNvGrpSpPr/>
         <p:nvPr/>
@@ -1244,7 +1349,7 @@
 </p:notes>
 </file>
 
-<file path=ppt/notesSlides/notesSlide14.xml><?xml version="1.0" encoding="utf-8"?>
+<file path=ppt/notesSlides/notesSlide15.xml><?xml version="1.0" encoding="utf-8"?>
 <p:notes xmlns:a="http://schemas.openxmlformats.org/drawingml/2006/main" xmlns:r="http://schemas.openxmlformats.org/officeDocument/2006/relationships" xmlns:p="http://schemas.openxmlformats.org/presentationml/2006/main" showMasterSp="0" showMasterPhAnim="0">
   <p:cSld>
     <p:spTree>
@@ -6046,7 +6151,7 @@
   </p:clrMapOvr>
   <p:extLst>
     <p:ext uri="{DCECCB84-F9BA-43D5-87BE-67443E8EF086}">
-      <p15:sldGuideLst xmlns:ahyp="http://schemas.microsoft.com/office/drawing/2018/hyperlinkcolor" xmlns:p15="http://schemas.microsoft.com/office/powerpoint/2012/main" xmlns:p14="http://schemas.microsoft.com/office/powerpoint/2010/main" xmlns:com="http://schemas.openxmlformats.org/drawingml/2006/compatibility" xmlns:pvml="urn:schemas-microsoft-com:office:powerpoint" xmlns:v="urn:schemas-microsoft-com:vml" xmlns:o="urn:schemas-microsoft-com:office:office" xmlns:dgm="http://schemas.openxmlformats.org/drawingml/2006/diagram" xmlns:c="http://schemas.openxmlformats.org/drawingml/2006/chart" xmlns:mv="urn:schemas-microsoft-com:mac:vml" xmlns:mc="http://schemas.openxmlformats.org/markup-compatibility/2006" xmlns="">
+      <p15:sldGuideLst xmlns="" xmlns:mc="http://schemas.openxmlformats.org/markup-compatibility/2006" xmlns:mv="urn:schemas-microsoft-com:mac:vml" xmlns:c="http://schemas.openxmlformats.org/drawingml/2006/chart" xmlns:dgm="http://schemas.openxmlformats.org/drawingml/2006/diagram" xmlns:o="urn:schemas-microsoft-com:office:office" xmlns:v="urn:schemas-microsoft-com:vml" xmlns:pvml="urn:schemas-microsoft-com:office:powerpoint" xmlns:com="http://schemas.openxmlformats.org/drawingml/2006/compatibility" xmlns:p14="http://schemas.microsoft.com/office/powerpoint/2010/main" xmlns:p15="http://schemas.microsoft.com/office/powerpoint/2012/main" xmlns:ahyp="http://schemas.microsoft.com/office/drawing/2018/hyperlinkcolor">
         <p15:guide id="1" pos="397">
           <p15:clr>
             <a:srgbClr val="FA7B17"/>
@@ -9759,11 +9864,7 @@
             </a:r>
             <a:r>
               <a:rPr lang="en-US" dirty="0" smtClean="0"/>
-              <a:t> inside source route-map ISP1 interface Ethernet0/0 </a:t>
-            </a:r>
-            <a:r>
-              <a:rPr lang="en-US" dirty="0" smtClean="0"/>
-              <a:t>overload</a:t>
+              <a:t> inside source route-map ISP1 interface Ethernet0/0 overload</a:t>
             </a:r>
           </a:p>
           <a:p>
@@ -9908,15 +10009,7 @@
             </a:r>
             <a:r>
               <a:rPr lang="en-US" dirty="0" smtClean="0"/>
-              <a:t>Univer-R1,</a:t>
-            </a:r>
-            <a:r>
-              <a:rPr lang="en-US" dirty="0" smtClean="0"/>
-              <a:t> </a:t>
-            </a:r>
-            <a:r>
-              <a:rPr lang="en-US" dirty="0" smtClean="0"/>
-              <a:t>Univer-R2</a:t>
+              <a:t>Univer-R1, Univer-R2</a:t>
             </a:r>
             <a:endParaRPr lang="ru-RU" dirty="0"/>
           </a:p>
@@ -10128,11 +10221,7 @@
             </a:r>
             <a:r>
               <a:rPr lang="ru-RU" dirty="0" smtClean="0"/>
-              <a:t> </a:t>
-            </a:r>
-            <a:r>
-              <a:rPr lang="ru-RU" dirty="0" smtClean="0"/>
-              <a:t>настроен.</a:t>
+              <a:t> настроен.</a:t>
             </a:r>
           </a:p>
           <a:p>
@@ -10273,11 +10362,7 @@
             </a:pPr>
             <a:r>
               <a:rPr lang="ru-RU" sz="3600" dirty="0" smtClean="0"/>
-              <a:t>Что </a:t>
-            </a:r>
-            <a:r>
-              <a:rPr lang="ru-RU" sz="3600" dirty="0" smtClean="0"/>
-              <a:t>получилось</a:t>
+              <a:t>Что получилось</a:t>
             </a:r>
             <a:r>
               <a:rPr lang="ru-RU" sz="2800" dirty="0" smtClean="0"/>
@@ -10419,15 +10504,7 @@
             </a:r>
             <a:r>
               <a:rPr lang="en-US" dirty="0" smtClean="0"/>
-              <a:t>Office-R2,</a:t>
-            </a:r>
-            <a:r>
-              <a:rPr lang="en-US" dirty="0" smtClean="0"/>
-              <a:t> </a:t>
-            </a:r>
-            <a:r>
-              <a:rPr lang="en-US" dirty="0" smtClean="0"/>
-              <a:t>Office-R3, Office-R4</a:t>
+              <a:t>Office-R2, Office-R3, Office-R4</a:t>
             </a:r>
           </a:p>
           <a:p>
@@ -10455,6 +10532,244 @@
 </file>
 
 <file path=ppt/slides/slide13.xml><?xml version="1.0" encoding="utf-8"?>
+<p:sld xmlns:a="http://schemas.openxmlformats.org/drawingml/2006/main" xmlns:r="http://schemas.openxmlformats.org/officeDocument/2006/relationships" xmlns:p="http://schemas.openxmlformats.org/presentationml/2006/main">
+  <p:cSld>
+    <p:spTree>
+      <p:nvGrpSpPr>
+        <p:cNvPr id="1" name="Shape 195"/>
+        <p:cNvGrpSpPr/>
+        <p:nvPr/>
+      </p:nvGrpSpPr>
+      <p:grpSpPr>
+        <a:xfrm>
+          <a:off x="0" y="0"/>
+          <a:ext cx="0" cy="0"/>
+          <a:chOff x="0" y="0"/>
+          <a:chExt cx="0" cy="0"/>
+        </a:xfrm>
+      </p:grpSpPr>
+      <p:sp>
+        <p:nvSpPr>
+          <p:cNvPr id="196" name="Google Shape;196;p38"/>
+          <p:cNvSpPr txBox="1">
+            <a:spLocks noGrp="1"/>
+          </p:cNvSpPr>
+          <p:nvPr>
+            <p:ph type="title"/>
+          </p:nvPr>
+        </p:nvSpPr>
+        <p:spPr>
+          <a:xfrm>
+            <a:off x="500550" y="440981"/>
+            <a:ext cx="8520600" cy="1306200"/>
+          </a:xfrm>
+          <a:prstGeom prst="rect">
+            <a:avLst/>
+          </a:prstGeom>
+        </p:spPr>
+        <p:txBody>
+          <a:bodyPr spcFirstLastPara="1" wrap="square" lIns="91425" tIns="91425" rIns="91425" bIns="91425" anchor="t" anchorCtr="0">
+            <a:noAutofit/>
+          </a:bodyPr>
+          <a:lstStyle/>
+          <a:p>
+            <a:pPr lvl="0">
+              <a:buSzPts val="1100"/>
+            </a:pPr>
+            <a:r>
+              <a:rPr lang="ru-RU" sz="3600" dirty="0" smtClean="0"/>
+              <a:t>Что </a:t>
+            </a:r>
+            <a:r>
+              <a:rPr lang="ru-RU" sz="3600" dirty="0" smtClean="0"/>
+              <a:t>получилось</a:t>
+            </a:r>
+            <a:r>
+              <a:rPr lang="ru-RU" sz="2800" dirty="0" smtClean="0"/>
+              <a:t>:</a:t>
+            </a:r>
+            <a:r>
+              <a:rPr lang="en-US" sz="2800" dirty="0" smtClean="0"/>
+              <a:t>VPN</a:t>
+            </a:r>
+            <a:r>
+              <a:rPr lang="ru-RU" sz="2800" dirty="0" smtClean="0"/>
+              <a:t> до ЦОД</a:t>
+            </a:r>
+            <a:endParaRPr dirty="0"/>
+          </a:p>
+          <a:p>
+            <a:pPr marL="0" lvl="0" indent="0" algn="l" rtl="0">
+              <a:spcBef>
+                <a:spcPts val="0"/>
+              </a:spcBef>
+              <a:spcAft>
+                <a:spcPts val="0"/>
+              </a:spcAft>
+              <a:buNone/>
+            </a:pPr>
+            <a:endParaRPr dirty="0"/>
+          </a:p>
+        </p:txBody>
+      </p:sp>
+      <p:sp>
+        <p:nvSpPr>
+          <p:cNvPr id="6" name="TextBox 5"/>
+          <p:cNvSpPr txBox="1"/>
+          <p:nvPr/>
+        </p:nvSpPr>
+        <p:spPr>
+          <a:xfrm>
+            <a:off x="590309" y="1608882"/>
+            <a:ext cx="3480440" cy="307777"/>
+          </a:xfrm>
+          <a:prstGeom prst="rect">
+            <a:avLst/>
+          </a:prstGeom>
+          <a:noFill/>
+        </p:spPr>
+        <p:txBody>
+          <a:bodyPr wrap="none" rtlCol="0">
+            <a:spAutoFit/>
+          </a:bodyPr>
+          <a:lstStyle/>
+          <a:p>
+            <a:r>
+              <a:rPr lang="ru-RU" dirty="0" smtClean="0">
+                <a:solidFill>
+                  <a:schemeClr val="tx1"/>
+                </a:solidFill>
+              </a:rPr>
+              <a:t>Трассировка с Офиса </a:t>
+            </a:r>
+            <a:r>
+              <a:rPr lang="en-US" dirty="0" smtClean="0">
+                <a:solidFill>
+                  <a:schemeClr val="tx1"/>
+                </a:solidFill>
+              </a:rPr>
+              <a:t>VPC29 </a:t>
+            </a:r>
+            <a:r>
+              <a:rPr lang="ru-RU" dirty="0" smtClean="0">
+                <a:solidFill>
+                  <a:schemeClr val="tx1"/>
+                </a:solidFill>
+              </a:rPr>
+              <a:t>до 5.5.5.5</a:t>
+            </a:r>
+            <a:endParaRPr lang="ru-RU" dirty="0">
+              <a:solidFill>
+                <a:schemeClr val="tx1"/>
+              </a:solidFill>
+            </a:endParaRPr>
+          </a:p>
+        </p:txBody>
+      </p:sp>
+      <p:pic>
+        <p:nvPicPr>
+          <p:cNvPr id="1026" name="Picture 2" descr="C:\Users\maxim\Desktop\lab-15\2022-07-26_10-43-31.png"/>
+          <p:cNvPicPr>
+            <a:picLocks noChangeAspect="1" noChangeArrowheads="1"/>
+          </p:cNvPicPr>
+          <p:nvPr/>
+        </p:nvPicPr>
+        <p:blipFill>
+          <a:blip r:embed="rId3"/>
+          <a:srcRect/>
+          <a:stretch>
+            <a:fillRect/>
+          </a:stretch>
+        </p:blipFill>
+        <p:spPr bwMode="auto">
+          <a:xfrm>
+            <a:off x="604234" y="1993377"/>
+            <a:ext cx="6700345" cy="3157357"/>
+          </a:xfrm>
+          <a:prstGeom prst="rect">
+            <a:avLst/>
+          </a:prstGeom>
+          <a:noFill/>
+        </p:spPr>
+      </p:pic>
+      <p:sp>
+        <p:nvSpPr>
+          <p:cNvPr id="8" name="TextBox 7"/>
+          <p:cNvSpPr txBox="1"/>
+          <p:nvPr/>
+        </p:nvSpPr>
+        <p:spPr>
+          <a:xfrm>
+            <a:off x="2490486" y="3671104"/>
+            <a:ext cx="4918334" cy="307777"/>
+          </a:xfrm>
+          <a:prstGeom prst="rect">
+            <a:avLst/>
+          </a:prstGeom>
+          <a:noFill/>
+        </p:spPr>
+        <p:txBody>
+          <a:bodyPr wrap="none" rtlCol="0">
+            <a:spAutoFit/>
+          </a:bodyPr>
+          <a:lstStyle/>
+          <a:p>
+            <a:r>
+              <a:rPr lang="ru-RU" dirty="0" smtClean="0">
+                <a:solidFill>
+                  <a:schemeClr val="bg1"/>
+                </a:solidFill>
+              </a:rPr>
+              <a:t>Трассировка с Офиса </a:t>
+            </a:r>
+            <a:r>
+              <a:rPr lang="en-US" dirty="0" smtClean="0">
+                <a:solidFill>
+                  <a:schemeClr val="bg1"/>
+                </a:solidFill>
+              </a:rPr>
+              <a:t>VPC29 </a:t>
+            </a:r>
+            <a:r>
+              <a:rPr lang="ru-RU" dirty="0" smtClean="0">
+                <a:solidFill>
+                  <a:schemeClr val="bg1"/>
+                </a:solidFill>
+              </a:rPr>
+              <a:t>до 172.16.1.1 через </a:t>
+            </a:r>
+            <a:r>
+              <a:rPr lang="en-US" dirty="0" err="1" smtClean="0">
+                <a:solidFill>
+                  <a:schemeClr val="bg1"/>
+                </a:solidFill>
+              </a:rPr>
+              <a:t>DMvpn</a:t>
+            </a:r>
+            <a:endParaRPr lang="ru-RU" dirty="0">
+              <a:solidFill>
+                <a:schemeClr val="bg1"/>
+              </a:solidFill>
+            </a:endParaRPr>
+          </a:p>
+        </p:txBody>
+      </p:sp>
+    </p:spTree>
+  </p:cSld>
+  <p:clrMapOvr>
+    <a:masterClrMapping/>
+  </p:clrMapOvr>
+  <p:timing>
+    <p:tnLst>
+      <p:par>
+        <p:cTn id="1" dur="indefinite" restart="never" nodeType="tmRoot"/>
+      </p:par>
+    </p:tnLst>
+  </p:timing>
+</p:sld>
+</file>
+
+<file path=ppt/slides/slide14.xml><?xml version="1.0" encoding="utf-8"?>
 <p:sld xmlns:a="http://schemas.openxmlformats.org/drawingml/2006/main" xmlns:r="http://schemas.openxmlformats.org/officeDocument/2006/relationships" xmlns:p="http://schemas.openxmlformats.org/presentationml/2006/main">
   <p:cSld>
     <p:spTree>
@@ -10521,7 +10836,7 @@
         </p:nvGraphicFramePr>
         <p:xfrm>
           <a:off x="940925" y="1688535"/>
-          <a:ext cx="7239000" cy="2012924"/>
+          <a:ext cx="7239000" cy="2038260"/>
         </p:xfrm>
         <a:graphic>
           <a:graphicData uri="http://schemas.openxmlformats.org/drawingml/2006/table">
@@ -11076,7 +11391,7 @@
 </p:sld>
 </file>
 
-<file path=ppt/slides/slide14.xml><?xml version="1.0" encoding="utf-8"?>
+<file path=ppt/slides/slide15.xml><?xml version="1.0" encoding="utf-8"?>
 <p:sld xmlns:a="http://schemas.openxmlformats.org/drawingml/2006/main" xmlns:r="http://schemas.openxmlformats.org/officeDocument/2006/relationships" xmlns:p="http://schemas.openxmlformats.org/presentationml/2006/main">
   <p:cSld>
     <p:spTree>
@@ -11295,15 +11610,7 @@
             </a:r>
             <a:r>
               <a:rPr lang="ru-RU" sz="2800" dirty="0" smtClean="0"/>
-              <a:t>Организация </a:t>
-            </a:r>
-            <a:r>
-              <a:rPr lang="ru-RU" sz="2800" dirty="0" smtClean="0"/>
-              <a:t>сети до удаленных </a:t>
-            </a:r>
-            <a:r>
-              <a:rPr lang="ru-RU" sz="2800" dirty="0" smtClean="0"/>
-              <a:t>филиалов компании</a:t>
+              <a:t>Организация сети до удаленных филиалов компании</a:t>
             </a:r>
             <a:r>
               <a:rPr lang="ru-RU" dirty="0" smtClean="0"/>
@@ -11368,15 +11675,7 @@
                   <a:srgbClr val="02418B"/>
                 </a:solidFill>
               </a:rPr>
-              <a:t>Т</a:t>
-            </a:r>
-            <a:r>
-              <a:rPr lang="ru-RU" dirty="0" smtClean="0">
-                <a:solidFill>
-                  <a:srgbClr val="02418B"/>
-                </a:solidFill>
-              </a:rPr>
-              <a:t>имохин Максим</a:t>
+              <a:t>Тимохин Максим</a:t>
             </a:r>
             <a:endParaRPr dirty="0">
               <a:solidFill>
@@ -12259,33 +12558,13 @@
           <a:p>
             <a:r>
               <a:rPr lang="ru-RU" dirty="0" smtClean="0"/>
-              <a:t>Распределённая </a:t>
-            </a:r>
+              <a:t>Распределённая сеть крупного Животноводческого комплекса, который входит в структуру "Института животноводства".</a:t>
+            </a:r>
+          </a:p>
+          <a:p>
             <a:r>
               <a:rPr lang="ru-RU" dirty="0" smtClean="0"/>
-              <a:t>сеть крупного Животноводческого комплекса, который входит в структуру "Института животноводства".</a:t>
-            </a:r>
-          </a:p>
-          <a:p>
-            <a:r>
-              <a:rPr lang="ru-RU" dirty="0" smtClean="0"/>
-              <a:t>Наша компания будет состоять из: </a:t>
-            </a:r>
-            <a:r>
-              <a:rPr lang="ru-RU" dirty="0" smtClean="0"/>
-              <a:t>Фермы, Головного офиса, учебного корпуса, </a:t>
-            </a:r>
-            <a:r>
-              <a:rPr lang="ru-RU" dirty="0" smtClean="0"/>
-              <a:t>Облачный </a:t>
-            </a:r>
-            <a:r>
-              <a:rPr lang="ru-RU" dirty="0" smtClean="0"/>
-              <a:t>ЦОД, </a:t>
-            </a:r>
-            <a:r>
-              <a:rPr lang="ru-RU" dirty="0" smtClean="0"/>
-              <a:t>транспортная сеть операторов связи ISP1, ISP2, ISP3</a:t>
+              <a:t>Наша компания будет состоять из: Фермы, Головного офиса, учебного корпуса, Облачный ЦОД, транспортная сеть операторов связи ISP1, ISP2, ISP3</a:t>
             </a:r>
           </a:p>
           <a:p>
@@ -13001,7 +13280,7 @@
         </p:nvGraphicFramePr>
         <p:xfrm>
           <a:off x="952500" y="2058925"/>
-          <a:ext cx="7239000" cy="2417708"/>
+          <a:ext cx="7239000" cy="2519052"/>
         </p:xfrm>
         <a:graphic>
           <a:graphicData uri="http://schemas.openxmlformats.org/drawingml/2006/table">
@@ -13823,7 +14102,7 @@
         </p:nvGraphicFramePr>
         <p:xfrm>
           <a:off x="899490" y="1687863"/>
-          <a:ext cx="7330109" cy="4522572"/>
+          <a:ext cx="7330109" cy="4597488"/>
         </p:xfrm>
         <a:graphic>
           <a:graphicData uri="http://schemas.openxmlformats.org/drawingml/2006/table">

--- a/lab-15/pptx/OTUS_NE_TMV.pptx
+++ b/lab-15/pptx/OTUS_NE_TMV.pptx
@@ -257,7 +257,7 @@
   </p:defaultTextStyle>
   <p:extLst>
     <p:ext uri="{EFAFB233-063F-42B5-8137-9DF3F51BA10A}">
-      <p15:sldGuideLst xmlns="" xmlns:mc="http://schemas.openxmlformats.org/markup-compatibility/2006" xmlns:mv="urn:schemas-microsoft-com:mac:vml" xmlns:c="http://schemas.openxmlformats.org/drawingml/2006/chart" xmlns:dgm="http://schemas.openxmlformats.org/drawingml/2006/diagram" xmlns:o="urn:schemas-microsoft-com:office:office" xmlns:v="urn:schemas-microsoft-com:vml" xmlns:pvml="urn:schemas-microsoft-com:office:powerpoint" xmlns:com="http://schemas.openxmlformats.org/drawingml/2006/compatibility" xmlns:p14="http://schemas.microsoft.com/office/powerpoint/2010/main" xmlns:p15="http://schemas.microsoft.com/office/powerpoint/2012/main" xmlns:ahyp="http://schemas.microsoft.com/office/drawing/2018/hyperlinkcolor">
+      <p15:sldGuideLst xmlns:ahyp="http://schemas.microsoft.com/office/drawing/2018/hyperlinkcolor" xmlns:p15="http://schemas.microsoft.com/office/powerpoint/2012/main" xmlns:p14="http://schemas.microsoft.com/office/powerpoint/2010/main" xmlns:com="http://schemas.openxmlformats.org/drawingml/2006/compatibility" xmlns:pvml="urn:schemas-microsoft-com:office:powerpoint" xmlns:v="urn:schemas-microsoft-com:vml" xmlns:o="urn:schemas-microsoft-com:office:office" xmlns:dgm="http://schemas.openxmlformats.org/drawingml/2006/diagram" xmlns:c="http://schemas.openxmlformats.org/drawingml/2006/chart" xmlns:mv="urn:schemas-microsoft-com:mac:vml" xmlns:mc="http://schemas.openxmlformats.org/markup-compatibility/2006" xmlns="">
         <p15:guide id="1" pos="5533">
           <p15:clr>
             <a:srgbClr val="A4A3A4"/>
@@ -6151,7 +6151,7 @@
   </p:clrMapOvr>
   <p:extLst>
     <p:ext uri="{DCECCB84-F9BA-43D5-87BE-67443E8EF086}">
-      <p15:sldGuideLst xmlns="" xmlns:mc="http://schemas.openxmlformats.org/markup-compatibility/2006" xmlns:mv="urn:schemas-microsoft-com:mac:vml" xmlns:c="http://schemas.openxmlformats.org/drawingml/2006/chart" xmlns:dgm="http://schemas.openxmlformats.org/drawingml/2006/diagram" xmlns:o="urn:schemas-microsoft-com:office:office" xmlns:v="urn:schemas-microsoft-com:vml" xmlns:pvml="urn:schemas-microsoft-com:office:powerpoint" xmlns:com="http://schemas.openxmlformats.org/drawingml/2006/compatibility" xmlns:p14="http://schemas.microsoft.com/office/powerpoint/2010/main" xmlns:p15="http://schemas.microsoft.com/office/powerpoint/2012/main" xmlns:ahyp="http://schemas.microsoft.com/office/drawing/2018/hyperlinkcolor">
+      <p15:sldGuideLst xmlns:ahyp="http://schemas.microsoft.com/office/drawing/2018/hyperlinkcolor" xmlns:p15="http://schemas.microsoft.com/office/powerpoint/2012/main" xmlns:p14="http://schemas.microsoft.com/office/powerpoint/2010/main" xmlns:com="http://schemas.openxmlformats.org/drawingml/2006/compatibility" xmlns:pvml="urn:schemas-microsoft-com:office:powerpoint" xmlns:v="urn:schemas-microsoft-com:vml" xmlns:o="urn:schemas-microsoft-com:office:office" xmlns:dgm="http://schemas.openxmlformats.org/drawingml/2006/diagram" xmlns:c="http://schemas.openxmlformats.org/drawingml/2006/chart" xmlns:mv="urn:schemas-microsoft-com:mac:vml" xmlns:mc="http://schemas.openxmlformats.org/markup-compatibility/2006" xmlns="">
         <p15:guide id="1" pos="397">
           <p15:clr>
             <a:srgbClr val="FA7B17"/>
@@ -10578,11 +10578,7 @@
             </a:pPr>
             <a:r>
               <a:rPr lang="ru-RU" sz="3600" dirty="0" smtClean="0"/>
-              <a:t>Что </a:t>
-            </a:r>
-            <a:r>
-              <a:rPr lang="ru-RU" sz="3600" dirty="0" smtClean="0"/>
-              <a:t>получилось</a:t>
+              <a:t>Что получилось</a:t>
             </a:r>
             <a:r>
               <a:rPr lang="ru-RU" sz="2800" dirty="0" smtClean="0"/>
@@ -10666,9 +10662,71 @@
           </a:p>
         </p:txBody>
       </p:sp>
+      <p:sp>
+        <p:nvSpPr>
+          <p:cNvPr id="8" name="TextBox 7"/>
+          <p:cNvSpPr txBox="1"/>
+          <p:nvPr/>
+        </p:nvSpPr>
+        <p:spPr>
+          <a:xfrm>
+            <a:off x="673261" y="3451185"/>
+            <a:ext cx="4918334" cy="307777"/>
+          </a:xfrm>
+          <a:prstGeom prst="rect">
+            <a:avLst/>
+          </a:prstGeom>
+          <a:noFill/>
+        </p:spPr>
+        <p:txBody>
+          <a:bodyPr wrap="none" rtlCol="0">
+            <a:spAutoFit/>
+          </a:bodyPr>
+          <a:lstStyle/>
+          <a:p>
+            <a:r>
+              <a:rPr lang="ru-RU" dirty="0" smtClean="0">
+                <a:solidFill>
+                  <a:schemeClr val="tx1"/>
+                </a:solidFill>
+              </a:rPr>
+              <a:t>Трассировка с Офиса </a:t>
+            </a:r>
+            <a:r>
+              <a:rPr lang="en-US" dirty="0" smtClean="0">
+                <a:solidFill>
+                  <a:schemeClr val="tx1"/>
+                </a:solidFill>
+              </a:rPr>
+              <a:t>VPC29 </a:t>
+            </a:r>
+            <a:r>
+              <a:rPr lang="ru-RU" dirty="0" smtClean="0">
+                <a:solidFill>
+                  <a:schemeClr val="tx1"/>
+                </a:solidFill>
+              </a:rPr>
+              <a:t>до 172.16.1.1 через </a:t>
+            </a:r>
+            <a:r>
+              <a:rPr lang="en-US" dirty="0" err="1" smtClean="0">
+                <a:solidFill>
+                  <a:schemeClr val="tx1"/>
+                </a:solidFill>
+              </a:rPr>
+              <a:t>DMvpn</a:t>
+            </a:r>
+            <a:endParaRPr lang="ru-RU" dirty="0">
+              <a:solidFill>
+                <a:schemeClr val="tx1"/>
+              </a:solidFill>
+            </a:endParaRPr>
+          </a:p>
+        </p:txBody>
+      </p:sp>
       <p:pic>
         <p:nvPicPr>
-          <p:cNvPr id="1026" name="Picture 2" descr="C:\Users\maxim\Desktop\lab-15\2022-07-26_10-43-31.png"/>
+          <p:cNvPr id="2" name="Picture 2" descr="C:\Users\maxim\Desktop\lab-15\2022-07-26_10-43-31 (2).png"/>
           <p:cNvPicPr>
             <a:picLocks noChangeAspect="1" noChangeArrowheads="1"/>
           </p:cNvPicPr>
@@ -10683,8 +10741,8 @@
         </p:blipFill>
         <p:spPr bwMode="auto">
           <a:xfrm>
-            <a:off x="604234" y="1993377"/>
-            <a:ext cx="6700345" cy="3157357"/>
+            <a:off x="697395" y="1923227"/>
+            <a:ext cx="5295900" cy="1409700"/>
           </a:xfrm>
           <a:prstGeom prst="rect">
             <a:avLst/>
@@ -10692,68 +10750,32 @@
           <a:noFill/>
         </p:spPr>
       </p:pic>
-      <p:sp>
-        <p:nvSpPr>
-          <p:cNvPr id="8" name="TextBox 7"/>
-          <p:cNvSpPr txBox="1"/>
+      <p:pic>
+        <p:nvPicPr>
+          <p:cNvPr id="1027" name="Picture 3" descr="C:\Users\maxim\Desktop\lab-15\2022-07-26_10-51-42.png"/>
+          <p:cNvPicPr>
+            <a:picLocks noChangeAspect="1" noChangeArrowheads="1"/>
+          </p:cNvPicPr>
           <p:nvPr/>
-        </p:nvSpPr>
-        <p:spPr>
+        </p:nvPicPr>
+        <p:blipFill>
+          <a:blip r:embed="rId4"/>
+          <a:srcRect/>
+          <a:stretch>
+            <a:fillRect/>
+          </a:stretch>
+        </p:blipFill>
+        <p:spPr bwMode="auto">
           <a:xfrm>
-            <a:off x="2490486" y="3671104"/>
-            <a:ext cx="4918334" cy="307777"/>
+            <a:off x="686082" y="3883185"/>
+            <a:ext cx="5295900" cy="2419350"/>
           </a:xfrm>
           <a:prstGeom prst="rect">
             <a:avLst/>
           </a:prstGeom>
           <a:noFill/>
         </p:spPr>
-        <p:txBody>
-          <a:bodyPr wrap="none" rtlCol="0">
-            <a:spAutoFit/>
-          </a:bodyPr>
-          <a:lstStyle/>
-          <a:p>
-            <a:r>
-              <a:rPr lang="ru-RU" dirty="0" smtClean="0">
-                <a:solidFill>
-                  <a:schemeClr val="bg1"/>
-                </a:solidFill>
-              </a:rPr>
-              <a:t>Трассировка с Офиса </a:t>
-            </a:r>
-            <a:r>
-              <a:rPr lang="en-US" dirty="0" smtClean="0">
-                <a:solidFill>
-                  <a:schemeClr val="bg1"/>
-                </a:solidFill>
-              </a:rPr>
-              <a:t>VPC29 </a:t>
-            </a:r>
-            <a:r>
-              <a:rPr lang="ru-RU" dirty="0" smtClean="0">
-                <a:solidFill>
-                  <a:schemeClr val="bg1"/>
-                </a:solidFill>
-              </a:rPr>
-              <a:t>до 172.16.1.1 через </a:t>
-            </a:r>
-            <a:r>
-              <a:rPr lang="en-US" dirty="0" err="1" smtClean="0">
-                <a:solidFill>
-                  <a:schemeClr val="bg1"/>
-                </a:solidFill>
-              </a:rPr>
-              <a:t>DMvpn</a:t>
-            </a:r>
-            <a:endParaRPr lang="ru-RU" dirty="0">
-              <a:solidFill>
-                <a:schemeClr val="bg1"/>
-              </a:solidFill>
-            </a:endParaRPr>
-          </a:p>
-        </p:txBody>
-      </p:sp>
+      </p:pic>
     </p:spTree>
   </p:cSld>
   <p:clrMapOvr>

--- a/lab-15/pptx/OTUS_NE_TMV.pptx
+++ b/lab-15/pptx/OTUS_NE_TMV.pptx
@@ -257,7 +257,7 @@
   </p:defaultTextStyle>
   <p:extLst>
     <p:ext uri="{EFAFB233-063F-42B5-8137-9DF3F51BA10A}">
-      <p15:sldGuideLst xmlns:ahyp="http://schemas.microsoft.com/office/drawing/2018/hyperlinkcolor" xmlns:p15="http://schemas.microsoft.com/office/powerpoint/2012/main" xmlns:p14="http://schemas.microsoft.com/office/powerpoint/2010/main" xmlns:com="http://schemas.openxmlformats.org/drawingml/2006/compatibility" xmlns:pvml="urn:schemas-microsoft-com:office:powerpoint" xmlns:v="urn:schemas-microsoft-com:vml" xmlns:o="urn:schemas-microsoft-com:office:office" xmlns:dgm="http://schemas.openxmlformats.org/drawingml/2006/diagram" xmlns:c="http://schemas.openxmlformats.org/drawingml/2006/chart" xmlns:mv="urn:schemas-microsoft-com:mac:vml" xmlns:mc="http://schemas.openxmlformats.org/markup-compatibility/2006" xmlns="">
+      <p15:sldGuideLst xmlns="" xmlns:mc="http://schemas.openxmlformats.org/markup-compatibility/2006" xmlns:mv="urn:schemas-microsoft-com:mac:vml" xmlns:c="http://schemas.openxmlformats.org/drawingml/2006/chart" xmlns:dgm="http://schemas.openxmlformats.org/drawingml/2006/diagram" xmlns:o="urn:schemas-microsoft-com:office:office" xmlns:v="urn:schemas-microsoft-com:vml" xmlns:pvml="urn:schemas-microsoft-com:office:powerpoint" xmlns:com="http://schemas.openxmlformats.org/drawingml/2006/compatibility" xmlns:p14="http://schemas.microsoft.com/office/powerpoint/2010/main" xmlns:p15="http://schemas.microsoft.com/office/powerpoint/2012/main" xmlns:ahyp="http://schemas.microsoft.com/office/drawing/2018/hyperlinkcolor">
         <p15:guide id="1" pos="5533">
           <p15:clr>
             <a:srgbClr val="A4A3A4"/>
@@ -6151,7 +6151,7 @@
   </p:clrMapOvr>
   <p:extLst>
     <p:ext uri="{DCECCB84-F9BA-43D5-87BE-67443E8EF086}">
-      <p15:sldGuideLst xmlns:ahyp="http://schemas.microsoft.com/office/drawing/2018/hyperlinkcolor" xmlns:p15="http://schemas.microsoft.com/office/powerpoint/2012/main" xmlns:p14="http://schemas.microsoft.com/office/powerpoint/2010/main" xmlns:com="http://schemas.openxmlformats.org/drawingml/2006/compatibility" xmlns:pvml="urn:schemas-microsoft-com:office:powerpoint" xmlns:v="urn:schemas-microsoft-com:vml" xmlns:o="urn:schemas-microsoft-com:office:office" xmlns:dgm="http://schemas.openxmlformats.org/drawingml/2006/diagram" xmlns:c="http://schemas.openxmlformats.org/drawingml/2006/chart" xmlns:mv="urn:schemas-microsoft-com:mac:vml" xmlns:mc="http://schemas.openxmlformats.org/markup-compatibility/2006" xmlns="">
+      <p15:sldGuideLst xmlns="" xmlns:mc="http://schemas.openxmlformats.org/markup-compatibility/2006" xmlns:mv="urn:schemas-microsoft-com:mac:vml" xmlns:c="http://schemas.openxmlformats.org/drawingml/2006/chart" xmlns:dgm="http://schemas.openxmlformats.org/drawingml/2006/diagram" xmlns:o="urn:schemas-microsoft-com:office:office" xmlns:v="urn:schemas-microsoft-com:vml" xmlns:pvml="urn:schemas-microsoft-com:office:powerpoint" xmlns:com="http://schemas.openxmlformats.org/drawingml/2006/compatibility" xmlns:p14="http://schemas.microsoft.com/office/powerpoint/2010/main" xmlns:p15="http://schemas.microsoft.com/office/powerpoint/2012/main" xmlns:ahyp="http://schemas.microsoft.com/office/drawing/2018/hyperlinkcolor">
         <p15:guide id="1" pos="397">
           <p15:clr>
             <a:srgbClr val="FA7B17"/>
@@ -10858,7 +10858,7 @@
         </p:nvGraphicFramePr>
         <p:xfrm>
           <a:off x="940925" y="1688535"/>
-          <a:ext cx="7239000" cy="2038260"/>
+          <a:ext cx="7239000" cy="2012924"/>
         </p:xfrm>
         <a:graphic>
           <a:graphicData uri="http://schemas.openxmlformats.org/drawingml/2006/table">
@@ -10988,13 +10988,13 @@
                         <a:t> сеть с шифрованием внутреннего </a:t>
                       </a:r>
                       <a:r>
-                        <a:rPr lang="ru-RU" sz="1700" baseline="0" dirty="0" err="1" smtClean="0">
+                        <a:rPr lang="ru-RU" sz="1700" baseline="0" dirty="0" smtClean="0">
                           <a:latin typeface="Roboto"/>
                           <a:ea typeface="Roboto"/>
                           <a:cs typeface="Roboto"/>
                           <a:sym typeface="Roboto"/>
                         </a:rPr>
-                        <a:t>траффика</a:t>
+                        <a:t>трафика</a:t>
                       </a:r>
                       <a:r>
                         <a:rPr lang="ru-RU" sz="1700" baseline="0" dirty="0" smtClean="0">
